--- a/stackdb/request_overview.pptx
+++ b/stackdb/request_overview.pptx
@@ -105,6 +105,11 @@
       </a:defRPr>
     </a:lvl9pPr>
   </p:defaultTextStyle>
+  <p:extLst>
+    <p:ext uri="{EFAFB233-063F-42B5-8137-9DF3F51BA10A}">
+      <p15:sldGuideLst xmlns:p15="http://schemas.microsoft.com/office/powerpoint/2012/main"/>
+    </p:ext>
+  </p:extLst>
 </p:presentation>
 </file>
 
@@ -239,7 +244,7 @@
           <a:p>
             <a:fld id="{DE3757F2-E6BE-4273-B1D1-5AE6FB487A85}" type="datetimeFigureOut">
               <a:rPr lang="de-DE" smtClean="0"/>
-              <a:t>20.07.2017</a:t>
+              <a:t>17.10.2017</a:t>
             </a:fld>
             <a:endParaRPr lang="de-DE" dirty="0"/>
           </a:p>
@@ -409,7 +414,7 @@
           <a:p>
             <a:fld id="{DE3757F2-E6BE-4273-B1D1-5AE6FB487A85}" type="datetimeFigureOut">
               <a:rPr lang="de-DE" smtClean="0"/>
-              <a:t>20.07.2017</a:t>
+              <a:t>17.10.2017</a:t>
             </a:fld>
             <a:endParaRPr lang="de-DE" dirty="0"/>
           </a:p>
@@ -589,7 +594,7 @@
           <a:p>
             <a:fld id="{DE3757F2-E6BE-4273-B1D1-5AE6FB487A85}" type="datetimeFigureOut">
               <a:rPr lang="de-DE" smtClean="0"/>
-              <a:t>20.07.2017</a:t>
+              <a:t>17.10.2017</a:t>
             </a:fld>
             <a:endParaRPr lang="de-DE" dirty="0"/>
           </a:p>
@@ -759,7 +764,7 @@
           <a:p>
             <a:fld id="{DE3757F2-E6BE-4273-B1D1-5AE6FB487A85}" type="datetimeFigureOut">
               <a:rPr lang="de-DE" smtClean="0"/>
-              <a:t>20.07.2017</a:t>
+              <a:t>17.10.2017</a:t>
             </a:fld>
             <a:endParaRPr lang="de-DE" dirty="0"/>
           </a:p>
@@ -1005,7 +1010,7 @@
           <a:p>
             <a:fld id="{DE3757F2-E6BE-4273-B1D1-5AE6FB487A85}" type="datetimeFigureOut">
               <a:rPr lang="de-DE" smtClean="0"/>
-              <a:t>20.07.2017</a:t>
+              <a:t>17.10.2017</a:t>
             </a:fld>
             <a:endParaRPr lang="de-DE" dirty="0"/>
           </a:p>
@@ -1237,7 +1242,7 @@
           <a:p>
             <a:fld id="{DE3757F2-E6BE-4273-B1D1-5AE6FB487A85}" type="datetimeFigureOut">
               <a:rPr lang="de-DE" smtClean="0"/>
-              <a:t>20.07.2017</a:t>
+              <a:t>17.10.2017</a:t>
             </a:fld>
             <a:endParaRPr lang="de-DE" dirty="0"/>
           </a:p>
@@ -1604,7 +1609,7 @@
           <a:p>
             <a:fld id="{DE3757F2-E6BE-4273-B1D1-5AE6FB487A85}" type="datetimeFigureOut">
               <a:rPr lang="de-DE" smtClean="0"/>
-              <a:t>20.07.2017</a:t>
+              <a:t>17.10.2017</a:t>
             </a:fld>
             <a:endParaRPr lang="de-DE" dirty="0"/>
           </a:p>
@@ -1722,7 +1727,7 @@
           <a:p>
             <a:fld id="{DE3757F2-E6BE-4273-B1D1-5AE6FB487A85}" type="datetimeFigureOut">
               <a:rPr lang="de-DE" smtClean="0"/>
-              <a:t>20.07.2017</a:t>
+              <a:t>17.10.2017</a:t>
             </a:fld>
             <a:endParaRPr lang="de-DE" dirty="0"/>
           </a:p>
@@ -1817,7 +1822,7 @@
           <a:p>
             <a:fld id="{DE3757F2-E6BE-4273-B1D1-5AE6FB487A85}" type="datetimeFigureOut">
               <a:rPr lang="de-DE" smtClean="0"/>
-              <a:t>20.07.2017</a:t>
+              <a:t>17.10.2017</a:t>
             </a:fld>
             <a:endParaRPr lang="de-DE" dirty="0"/>
           </a:p>
@@ -2094,7 +2099,7 @@
           <a:p>
             <a:fld id="{DE3757F2-E6BE-4273-B1D1-5AE6FB487A85}" type="datetimeFigureOut">
               <a:rPr lang="de-DE" smtClean="0"/>
-              <a:t>20.07.2017</a:t>
+              <a:t>17.10.2017</a:t>
             </a:fld>
             <a:endParaRPr lang="de-DE" dirty="0"/>
           </a:p>
@@ -2350,7 +2355,7 @@
           <a:p>
             <a:fld id="{DE3757F2-E6BE-4273-B1D1-5AE6FB487A85}" type="datetimeFigureOut">
               <a:rPr lang="de-DE" smtClean="0"/>
-              <a:t>20.07.2017</a:t>
+              <a:t>17.10.2017</a:t>
             </a:fld>
             <a:endParaRPr lang="de-DE" dirty="0"/>
           </a:p>
@@ -2563,7 +2568,7 @@
           <a:p>
             <a:fld id="{DE3757F2-E6BE-4273-B1D1-5AE6FB487A85}" type="datetimeFigureOut">
               <a:rPr lang="de-DE" smtClean="0"/>
-              <a:t>20.07.2017</a:t>
+              <a:t>17.10.2017</a:t>
             </a:fld>
             <a:endParaRPr lang="de-DE" dirty="0"/>
           </a:p>
@@ -3787,11 +3792,6 @@
               </a:rPr>
               <a:t>jsExtXSDb.xsjslib</a:t>
             </a:r>
-            <a:endParaRPr lang="de-DE" sz="1200" dirty="0">
-              <a:latin typeface="Verdana" panose="020B0604030504040204" pitchFamily="34" charset="0"/>
-              <a:ea typeface="Verdana" panose="020B0604030504040204" pitchFamily="34" charset="0"/>
-              <a:cs typeface="Verdana" panose="020B0604030504040204" pitchFamily="34" charset="0"/>
-            </a:endParaRPr>
           </a:p>
         </p:txBody>
       </p:sp>
@@ -3975,11 +3975,6 @@
               </a:rPr>
               <a:t>jsExtXSDb.xsjslib</a:t>
             </a:r>
-            <a:endParaRPr lang="de-DE" sz="1200" dirty="0">
-              <a:latin typeface="Verdana" panose="020B0604030504040204" pitchFamily="34" charset="0"/>
-              <a:ea typeface="Verdana" panose="020B0604030504040204" pitchFamily="34" charset="0"/>
-              <a:cs typeface="Verdana" panose="020B0604030504040204" pitchFamily="34" charset="0"/>
-            </a:endParaRPr>
           </a:p>
         </p:txBody>
       </p:sp>
@@ -4627,21 +4622,8 @@
                 <a:ea typeface="Verdana" panose="020B0604030504040204" pitchFamily="34" charset="0"/>
                 <a:cs typeface="Verdana" panose="020B0604030504040204" pitchFamily="34" charset="0"/>
               </a:rPr>
-              <a:t>5 </a:t>
-            </a:r>
-            <a:r>
-              <a:rPr lang="de-DE" sz="1200" dirty="0">
-                <a:latin typeface="Verdana" panose="020B0604030504040204" pitchFamily="34" charset="0"/>
-                <a:ea typeface="Verdana" panose="020B0604030504040204" pitchFamily="34" charset="0"/>
-                <a:cs typeface="Verdana" panose="020B0604030504040204" pitchFamily="34" charset="0"/>
-              </a:rPr>
-              <a:t>query.xsjs/component14</a:t>
-            </a:r>
-            <a:endParaRPr lang="de-DE" sz="1200" dirty="0">
-              <a:latin typeface="Verdana" panose="020B0604030504040204" pitchFamily="34" charset="0"/>
-              <a:ea typeface="Verdana" panose="020B0604030504040204" pitchFamily="34" charset="0"/>
-              <a:cs typeface="Verdana" panose="020B0604030504040204" pitchFamily="34" charset="0"/>
-            </a:endParaRPr>
+              <a:t>5 query.xsjs/component14</a:t>
+            </a:r>
           </a:p>
         </p:txBody>
       </p:sp>
@@ -4696,11 +4678,6 @@
               </a:rPr>
               <a:t>jsExtXSDb.xsjslib</a:t>
             </a:r>
-            <a:endParaRPr lang="de-DE" sz="1200" dirty="0">
-              <a:latin typeface="Verdana" panose="020B0604030504040204" pitchFamily="34" charset="0"/>
-              <a:ea typeface="Verdana" panose="020B0604030504040204" pitchFamily="34" charset="0"/>
-              <a:cs typeface="Verdana" panose="020B0604030504040204" pitchFamily="34" charset="0"/>
-            </a:endParaRPr>
           </a:p>
         </p:txBody>
       </p:sp>
@@ -5029,21 +5006,8 @@
                 <a:ea typeface="Verdana" panose="020B0604030504040204" pitchFamily="34" charset="0"/>
                 <a:cs typeface="Verdana" panose="020B0604030504040204" pitchFamily="34" charset="0"/>
               </a:rPr>
-              <a:t>7 </a:t>
-            </a:r>
-            <a:r>
-              <a:rPr lang="de-DE" sz="1200" dirty="0">
-                <a:latin typeface="Verdana" panose="020B0604030504040204" pitchFamily="34" charset="0"/>
-                <a:ea typeface="Verdana" panose="020B0604030504040204" pitchFamily="34" charset="0"/>
-                <a:cs typeface="Verdana" panose="020B0604030504040204" pitchFamily="34" charset="0"/>
-              </a:rPr>
-              <a:t>query.xsjs/component15</a:t>
-            </a:r>
-            <a:endParaRPr lang="de-DE" sz="1200" dirty="0">
-              <a:latin typeface="Verdana" panose="020B0604030504040204" pitchFamily="34" charset="0"/>
-              <a:ea typeface="Verdana" panose="020B0604030504040204" pitchFamily="34" charset="0"/>
-              <a:cs typeface="Verdana" panose="020B0604030504040204" pitchFamily="34" charset="0"/>
-            </a:endParaRPr>
+              <a:t>7 query.xsjs/component15</a:t>
+            </a:r>
           </a:p>
         </p:txBody>
       </p:sp>
@@ -5098,11 +5062,6 @@
               </a:rPr>
               <a:t>jsExtXSDb.xsjslib</a:t>
             </a:r>
-            <a:endParaRPr lang="de-DE" sz="1200" dirty="0">
-              <a:latin typeface="Verdana" panose="020B0604030504040204" pitchFamily="34" charset="0"/>
-              <a:ea typeface="Verdana" panose="020B0604030504040204" pitchFamily="34" charset="0"/>
-              <a:cs typeface="Verdana" panose="020B0604030504040204" pitchFamily="34" charset="0"/>
-            </a:endParaRPr>
           </a:p>
         </p:txBody>
       </p:sp>
@@ -6428,42 +6387,680 @@
       </p:grpSpPr>
       <p:sp>
         <p:nvSpPr>
-          <p:cNvPr id="2" name="Title 1"/>
-          <p:cNvSpPr>
-            <a:spLocks noGrp="1"/>
-          </p:cNvSpPr>
-          <p:nvPr>
-            <p:ph type="title"/>
-          </p:nvPr>
-        </p:nvSpPr>
-        <p:spPr/>
-        <p:txBody>
-          <a:bodyPr/>
-          <a:lstStyle/>
-          <a:p>
-            <a:endParaRPr lang="de-DE"/>
-          </a:p>
-        </p:txBody>
-      </p:sp>
-      <p:sp>
-        <p:nvSpPr>
-          <p:cNvPr id="3" name="Content Placeholder 2"/>
-          <p:cNvSpPr>
-            <a:spLocks noGrp="1"/>
-          </p:cNvSpPr>
-          <p:nvPr>
-            <p:ph idx="1"/>
-          </p:nvPr>
-        </p:nvSpPr>
-        <p:spPr/>
-        <p:txBody>
-          <a:bodyPr/>
-          <a:lstStyle/>
-          <a:p>
-            <a:endParaRPr lang="de-DE"/>
-          </a:p>
-        </p:txBody>
-      </p:sp>
+          <p:cNvPr id="4" name="Rectangle 3"/>
+          <p:cNvSpPr/>
+          <p:nvPr/>
+        </p:nvSpPr>
+        <p:spPr>
+          <a:xfrm>
+            <a:off x="479375" y="1052736"/>
+            <a:ext cx="1440000" cy="216000"/>
+          </a:xfrm>
+          <a:prstGeom prst="rect">
+            <a:avLst/>
+          </a:prstGeom>
+          <a:ln>
+            <a:solidFill>
+              <a:schemeClr val="bg1"/>
+            </a:solidFill>
+          </a:ln>
+        </p:spPr>
+        <p:style>
+          <a:lnRef idx="2">
+            <a:schemeClr val="accent1">
+              <a:shade val="50000"/>
+            </a:schemeClr>
+          </a:lnRef>
+          <a:fillRef idx="1">
+            <a:schemeClr val="accent1"/>
+          </a:fillRef>
+          <a:effectRef idx="0">
+            <a:schemeClr val="accent1"/>
+          </a:effectRef>
+          <a:fontRef idx="minor">
+            <a:schemeClr val="lt1"/>
+          </a:fontRef>
+        </p:style>
+        <p:txBody>
+          <a:bodyPr wrap="none" lIns="54000" rIns="108000" rtlCol="0" anchor="ctr"/>
+          <a:lstStyle/>
+          <a:p>
+            <a:r>
+              <a:rPr lang="de-DE" sz="1200" dirty="0">
+                <a:latin typeface="Verdana" panose="020B0604030504040204" pitchFamily="34" charset="0"/>
+                <a:ea typeface="Verdana" panose="020B0604030504040204" pitchFamily="34" charset="0"/>
+                <a:cs typeface="Verdana" panose="020B0604030504040204" pitchFamily="34" charset="0"/>
+              </a:rPr>
+              <a:t>1 select</a:t>
+            </a:r>
+          </a:p>
+        </p:txBody>
+      </p:sp>
+      <p:sp>
+        <p:nvSpPr>
+          <p:cNvPr id="8" name="Rectangle 7"/>
+          <p:cNvSpPr/>
+          <p:nvPr/>
+        </p:nvSpPr>
+        <p:spPr>
+          <a:xfrm>
+            <a:off x="479376" y="1268760"/>
+            <a:ext cx="1439851" cy="216000"/>
+          </a:xfrm>
+          <a:prstGeom prst="rect">
+            <a:avLst/>
+          </a:prstGeom>
+          <a:solidFill>
+            <a:srgbClr val="003399">
+              <a:alpha val="69804"/>
+            </a:srgbClr>
+          </a:solidFill>
+          <a:ln>
+            <a:solidFill>
+              <a:schemeClr val="bg1"/>
+            </a:solidFill>
+          </a:ln>
+        </p:spPr>
+        <p:style>
+          <a:lnRef idx="2">
+            <a:schemeClr val="accent1">
+              <a:shade val="50000"/>
+            </a:schemeClr>
+          </a:lnRef>
+          <a:fillRef idx="1">
+            <a:schemeClr val="accent1"/>
+          </a:fillRef>
+          <a:effectRef idx="0">
+            <a:schemeClr val="accent1"/>
+          </a:effectRef>
+          <a:fontRef idx="minor">
+            <a:schemeClr val="lt1"/>
+          </a:fontRef>
+        </p:style>
+        <p:txBody>
+          <a:bodyPr wrap="none" lIns="54000" rIns="108000" rtlCol="0" anchor="ctr"/>
+          <a:lstStyle/>
+          <a:p>
+            <a:r>
+              <a:rPr lang="de-DE" sz="1200" dirty="0">
+                <a:latin typeface="Verdana" panose="020B0604030504040204" pitchFamily="34" charset="0"/>
+                <a:ea typeface="Verdana" panose="020B0604030504040204" pitchFamily="34" charset="0"/>
+                <a:cs typeface="Verdana" panose="020B0604030504040204" pitchFamily="34" charset="0"/>
+              </a:rPr>
+              <a:t>table</a:t>
+            </a:r>
+          </a:p>
+        </p:txBody>
+      </p:sp>
+      <p:sp>
+        <p:nvSpPr>
+          <p:cNvPr id="10" name="Rectangle 9"/>
+          <p:cNvSpPr/>
+          <p:nvPr/>
+        </p:nvSpPr>
+        <p:spPr>
+          <a:xfrm>
+            <a:off x="479375" y="2564950"/>
+            <a:ext cx="1440000" cy="215953"/>
+          </a:xfrm>
+          <a:prstGeom prst="rect">
+            <a:avLst/>
+          </a:prstGeom>
+          <a:solidFill>
+            <a:schemeClr val="accent3"/>
+          </a:solidFill>
+          <a:ln>
+            <a:solidFill>
+              <a:schemeClr val="bg1"/>
+            </a:solidFill>
+          </a:ln>
+        </p:spPr>
+        <p:style>
+          <a:lnRef idx="2">
+            <a:schemeClr val="accent1">
+              <a:shade val="50000"/>
+            </a:schemeClr>
+          </a:lnRef>
+          <a:fillRef idx="1">
+            <a:schemeClr val="accent1"/>
+          </a:fillRef>
+          <a:effectRef idx="0">
+            <a:schemeClr val="accent1"/>
+          </a:effectRef>
+          <a:fontRef idx="minor">
+            <a:schemeClr val="lt1"/>
+          </a:fontRef>
+        </p:style>
+        <p:txBody>
+          <a:bodyPr wrap="none" lIns="54000" rIns="108000" rtlCol="0" anchor="ctr"/>
+          <a:lstStyle/>
+          <a:p>
+            <a:r>
+              <a:rPr lang="de-DE" sz="1200" dirty="0">
+                <a:latin typeface="Verdana" panose="020B0604030504040204" pitchFamily="34" charset="0"/>
+                <a:ea typeface="Verdana" panose="020B0604030504040204" pitchFamily="34" charset="0"/>
+                <a:cs typeface="Verdana" panose="020B0604030504040204" pitchFamily="34" charset="0"/>
+              </a:rPr>
+              <a:t>3 </a:t>
+            </a:r>
+            <a:r>
+              <a:rPr lang="de-DE" sz="1200" dirty="0" err="1">
+                <a:latin typeface="Verdana" panose="020B0604030504040204" pitchFamily="34" charset="0"/>
+                <a:ea typeface="Verdana" panose="020B0604030504040204" pitchFamily="34" charset="0"/>
+                <a:cs typeface="Verdana" panose="020B0604030504040204" pitchFamily="34" charset="0"/>
+              </a:rPr>
+              <a:t>PayOpenOrders</a:t>
+            </a:r>
+            <a:endParaRPr lang="de-DE" sz="1200" dirty="0">
+              <a:latin typeface="Verdana" panose="020B0604030504040204" pitchFamily="34" charset="0"/>
+              <a:ea typeface="Verdana" panose="020B0604030504040204" pitchFamily="34" charset="0"/>
+              <a:cs typeface="Verdana" panose="020B0604030504040204" pitchFamily="34" charset="0"/>
+            </a:endParaRPr>
+          </a:p>
+        </p:txBody>
+      </p:sp>
+      <p:sp>
+        <p:nvSpPr>
+          <p:cNvPr id="12" name="Rectangle 11"/>
+          <p:cNvSpPr/>
+          <p:nvPr/>
+        </p:nvSpPr>
+        <p:spPr>
+          <a:xfrm>
+            <a:off x="479376" y="2780928"/>
+            <a:ext cx="719925" cy="216000"/>
+          </a:xfrm>
+          <a:prstGeom prst="rect">
+            <a:avLst/>
+          </a:prstGeom>
+          <a:solidFill>
+            <a:srgbClr val="FF0000">
+              <a:alpha val="69804"/>
+            </a:srgbClr>
+          </a:solidFill>
+          <a:ln>
+            <a:solidFill>
+              <a:schemeClr val="bg1"/>
+            </a:solidFill>
+          </a:ln>
+        </p:spPr>
+        <p:style>
+          <a:lnRef idx="2">
+            <a:schemeClr val="accent1">
+              <a:shade val="50000"/>
+            </a:schemeClr>
+          </a:lnRef>
+          <a:fillRef idx="1">
+            <a:schemeClr val="accent1"/>
+          </a:fillRef>
+          <a:effectRef idx="0">
+            <a:schemeClr val="accent1"/>
+          </a:effectRef>
+          <a:fontRef idx="minor">
+            <a:schemeClr val="lt1"/>
+          </a:fontRef>
+        </p:style>
+        <p:txBody>
+          <a:bodyPr wrap="none" lIns="54000" rIns="108000" rtlCol="0" anchor="ctr"/>
+          <a:lstStyle/>
+          <a:p>
+            <a:r>
+              <a:rPr lang="de-DE" sz="1200" dirty="0">
+                <a:latin typeface="Verdana" panose="020B0604030504040204" pitchFamily="34" charset="0"/>
+                <a:ea typeface="Verdana" panose="020B0604030504040204" pitchFamily="34" charset="0"/>
+                <a:cs typeface="Verdana" panose="020B0604030504040204" pitchFamily="34" charset="0"/>
+              </a:rPr>
+              <a:t>Projects</a:t>
+            </a:r>
+          </a:p>
+        </p:txBody>
+      </p:sp>
+      <p:sp>
+        <p:nvSpPr>
+          <p:cNvPr id="13" name="Rectangle 12"/>
+          <p:cNvSpPr/>
+          <p:nvPr/>
+        </p:nvSpPr>
+        <p:spPr>
+          <a:xfrm>
+            <a:off x="1199381" y="2780928"/>
+            <a:ext cx="719925" cy="216000"/>
+          </a:xfrm>
+          <a:prstGeom prst="rect">
+            <a:avLst/>
+          </a:prstGeom>
+          <a:solidFill>
+            <a:srgbClr val="FF0000">
+              <a:alpha val="69804"/>
+            </a:srgbClr>
+          </a:solidFill>
+          <a:ln>
+            <a:solidFill>
+              <a:schemeClr val="bg1"/>
+            </a:solidFill>
+          </a:ln>
+        </p:spPr>
+        <p:style>
+          <a:lnRef idx="2">
+            <a:schemeClr val="accent1">
+              <a:shade val="50000"/>
+            </a:schemeClr>
+          </a:lnRef>
+          <a:fillRef idx="1">
+            <a:schemeClr val="accent1"/>
+          </a:fillRef>
+          <a:effectRef idx="0">
+            <a:schemeClr val="accent1"/>
+          </a:effectRef>
+          <a:fontRef idx="minor">
+            <a:schemeClr val="lt1"/>
+          </a:fontRef>
+        </p:style>
+        <p:txBody>
+          <a:bodyPr wrap="none" lIns="54000" rIns="108000" rtlCol="0" anchor="ctr"/>
+          <a:lstStyle/>
+          <a:p>
+            <a:r>
+              <a:rPr lang="de-DE" sz="1200" dirty="0">
+                <a:latin typeface="Verdana" panose="020B0604030504040204" pitchFamily="34" charset="0"/>
+                <a:ea typeface="Verdana" panose="020B0604030504040204" pitchFamily="34" charset="0"/>
+                <a:cs typeface="Verdana" panose="020B0604030504040204" pitchFamily="34" charset="0"/>
+              </a:rPr>
+              <a:t>PurchaseOrd</a:t>
+            </a:r>
+          </a:p>
+        </p:txBody>
+      </p:sp>
+      <p:sp>
+        <p:nvSpPr>
+          <p:cNvPr id="17" name="Rectangle 16"/>
+          <p:cNvSpPr/>
+          <p:nvPr/>
+        </p:nvSpPr>
+        <p:spPr>
+          <a:xfrm>
+            <a:off x="479376" y="1916785"/>
+            <a:ext cx="3600027" cy="216000"/>
+          </a:xfrm>
+          <a:prstGeom prst="rect">
+            <a:avLst/>
+          </a:prstGeom>
+          <a:solidFill>
+            <a:schemeClr val="accent2"/>
+          </a:solidFill>
+          <a:ln>
+            <a:solidFill>
+              <a:schemeClr val="bg1"/>
+            </a:solidFill>
+          </a:ln>
+        </p:spPr>
+        <p:style>
+          <a:lnRef idx="2">
+            <a:schemeClr val="accent1">
+              <a:shade val="50000"/>
+            </a:schemeClr>
+          </a:lnRef>
+          <a:fillRef idx="1">
+            <a:schemeClr val="accent1"/>
+          </a:fillRef>
+          <a:effectRef idx="0">
+            <a:schemeClr val="accent1"/>
+          </a:effectRef>
+          <a:fontRef idx="minor">
+            <a:schemeClr val="lt1"/>
+          </a:fontRef>
+        </p:style>
+        <p:txBody>
+          <a:bodyPr wrap="none" lIns="54000" rIns="108000" rtlCol="0" anchor="ctr"/>
+          <a:lstStyle/>
+          <a:p>
+            <a:r>
+              <a:rPr lang="de-DE" sz="1200" dirty="0">
+                <a:latin typeface="Verdana" panose="020B0604030504040204" pitchFamily="34" charset="0"/>
+                <a:ea typeface="Verdana" panose="020B0604030504040204" pitchFamily="34" charset="0"/>
+                <a:cs typeface="Verdana" panose="020B0604030504040204" pitchFamily="34" charset="0"/>
+              </a:rPr>
+              <a:t>2 table.xsjs?department=1</a:t>
+            </a:r>
+          </a:p>
+        </p:txBody>
+      </p:sp>
+      <p:cxnSp>
+        <p:nvCxnSpPr>
+          <p:cNvPr id="19" name="Straight Arrow Connector 18"/>
+          <p:cNvCxnSpPr/>
+          <p:nvPr/>
+        </p:nvCxnSpPr>
+        <p:spPr>
+          <a:xfrm>
+            <a:off x="479376" y="2132856"/>
+            <a:ext cx="0" cy="432048"/>
+          </a:xfrm>
+          <a:prstGeom prst="straightConnector1">
+            <a:avLst/>
+          </a:prstGeom>
+          <a:ln w="12700">
+            <a:solidFill>
+              <a:schemeClr val="tx1"/>
+            </a:solidFill>
+            <a:headEnd type="none" w="med" len="med"/>
+            <a:tailEnd type="arrow" w="med" len="med"/>
+          </a:ln>
+        </p:spPr>
+        <p:style>
+          <a:lnRef idx="1">
+            <a:schemeClr val="accent1"/>
+          </a:lnRef>
+          <a:fillRef idx="0">
+            <a:schemeClr val="accent1"/>
+          </a:fillRef>
+          <a:effectRef idx="0">
+            <a:schemeClr val="accent1"/>
+          </a:effectRef>
+          <a:fontRef idx="minor">
+            <a:schemeClr val="tx1"/>
+          </a:fontRef>
+        </p:style>
+      </p:cxnSp>
+      <p:cxnSp>
+        <p:nvCxnSpPr>
+          <p:cNvPr id="20" name="Straight Arrow Connector 19"/>
+          <p:cNvCxnSpPr/>
+          <p:nvPr/>
+        </p:nvCxnSpPr>
+        <p:spPr>
+          <a:xfrm>
+            <a:off x="479376" y="1484784"/>
+            <a:ext cx="0" cy="432000"/>
+          </a:xfrm>
+          <a:prstGeom prst="straightConnector1">
+            <a:avLst/>
+          </a:prstGeom>
+          <a:ln w="12700">
+            <a:solidFill>
+              <a:schemeClr val="tx1"/>
+            </a:solidFill>
+            <a:prstDash val="dash"/>
+            <a:headEnd type="none" w="med" len="med"/>
+            <a:tailEnd type="arrow" w="med" len="med"/>
+          </a:ln>
+        </p:spPr>
+        <p:style>
+          <a:lnRef idx="1">
+            <a:schemeClr val="accent1"/>
+          </a:lnRef>
+          <a:fillRef idx="0">
+            <a:schemeClr val="accent1"/>
+          </a:fillRef>
+          <a:effectRef idx="0">
+            <a:schemeClr val="accent1"/>
+          </a:effectRef>
+          <a:fontRef idx="minor">
+            <a:schemeClr val="tx1"/>
+          </a:fontRef>
+        </p:style>
+      </p:cxnSp>
+      <p:cxnSp>
+        <p:nvCxnSpPr>
+          <p:cNvPr id="23" name="Straight Arrow Connector 22"/>
+          <p:cNvCxnSpPr/>
+          <p:nvPr/>
+        </p:nvCxnSpPr>
+        <p:spPr>
+          <a:xfrm rot="10800000">
+            <a:off x="1907110" y="2132856"/>
+            <a:ext cx="0" cy="432048"/>
+          </a:xfrm>
+          <a:prstGeom prst="straightConnector1">
+            <a:avLst/>
+          </a:prstGeom>
+          <a:ln w="12700">
+            <a:solidFill>
+              <a:schemeClr val="tx1"/>
+            </a:solidFill>
+            <a:headEnd type="none" w="med" len="med"/>
+            <a:tailEnd type="arrow" w="med" len="med"/>
+          </a:ln>
+        </p:spPr>
+        <p:style>
+          <a:lnRef idx="1">
+            <a:schemeClr val="accent1"/>
+          </a:lnRef>
+          <a:fillRef idx="0">
+            <a:schemeClr val="accent1"/>
+          </a:fillRef>
+          <a:effectRef idx="0">
+            <a:schemeClr val="accent1"/>
+          </a:effectRef>
+          <a:fontRef idx="minor">
+            <a:schemeClr val="tx1"/>
+          </a:fontRef>
+        </p:style>
+      </p:cxnSp>
+      <p:cxnSp>
+        <p:nvCxnSpPr>
+          <p:cNvPr id="24" name="Straight Arrow Connector 29"/>
+          <p:cNvCxnSpPr/>
+          <p:nvPr/>
+        </p:nvCxnSpPr>
+        <p:spPr>
+          <a:xfrm flipV="1">
+            <a:off x="4067349" y="1268760"/>
+            <a:ext cx="0" cy="648000"/>
+          </a:xfrm>
+          <a:prstGeom prst="straightConnector1">
+            <a:avLst/>
+          </a:prstGeom>
+          <a:ln w="12700">
+            <a:solidFill>
+              <a:schemeClr val="tx1"/>
+            </a:solidFill>
+            <a:prstDash val="dash"/>
+            <a:headEnd type="none" w="med" len="med"/>
+            <a:tailEnd type="arrow" w="med" len="med"/>
+          </a:ln>
+        </p:spPr>
+        <p:style>
+          <a:lnRef idx="1">
+            <a:schemeClr val="accent1"/>
+          </a:lnRef>
+          <a:fillRef idx="0">
+            <a:schemeClr val="accent1"/>
+          </a:fillRef>
+          <a:effectRef idx="0">
+            <a:schemeClr val="accent1"/>
+          </a:effectRef>
+          <a:fontRef idx="minor">
+            <a:schemeClr val="tx1"/>
+          </a:fontRef>
+        </p:style>
+      </p:cxnSp>
+      <p:sp>
+        <p:nvSpPr>
+          <p:cNvPr id="25" name="Rectangle 24"/>
+          <p:cNvSpPr/>
+          <p:nvPr/>
+        </p:nvSpPr>
+        <p:spPr>
+          <a:xfrm>
+            <a:off x="4067349" y="1052736"/>
+            <a:ext cx="1439851" cy="216000"/>
+          </a:xfrm>
+          <a:prstGeom prst="rect">
+            <a:avLst/>
+          </a:prstGeom>
+          <a:solidFill>
+            <a:srgbClr val="003399">
+              <a:alpha val="69804"/>
+            </a:srgbClr>
+          </a:solidFill>
+          <a:ln>
+            <a:solidFill>
+              <a:schemeClr val="bg1"/>
+            </a:solidFill>
+          </a:ln>
+        </p:spPr>
+        <p:style>
+          <a:lnRef idx="2">
+            <a:schemeClr val="accent1">
+              <a:shade val="50000"/>
+            </a:schemeClr>
+          </a:lnRef>
+          <a:fillRef idx="1">
+            <a:schemeClr val="accent1"/>
+          </a:fillRef>
+          <a:effectRef idx="0">
+            <a:schemeClr val="accent1"/>
+          </a:effectRef>
+          <a:fontRef idx="minor">
+            <a:schemeClr val="lt1"/>
+          </a:fontRef>
+        </p:style>
+        <p:txBody>
+          <a:bodyPr wrap="none" lIns="54000" rIns="108000" rtlCol="0" anchor="ctr"/>
+          <a:lstStyle/>
+          <a:p>
+            <a:r>
+              <a:rPr lang="de-DE" sz="1200" dirty="0">
+                <a:latin typeface="Verdana" panose="020B0604030504040204" pitchFamily="34" charset="0"/>
+                <a:ea typeface="Verdana" panose="020B0604030504040204" pitchFamily="34" charset="0"/>
+                <a:cs typeface="Verdana" panose="020B0604030504040204" pitchFamily="34" charset="0"/>
+              </a:rPr>
+              <a:t>4 table</a:t>
+            </a:r>
+          </a:p>
+        </p:txBody>
+      </p:sp>
+      <p:sp>
+        <p:nvSpPr>
+          <p:cNvPr id="27" name="Rectangle 26"/>
+          <p:cNvSpPr/>
+          <p:nvPr/>
+        </p:nvSpPr>
+        <p:spPr>
+          <a:xfrm>
+            <a:off x="2339157" y="2564904"/>
+            <a:ext cx="719925" cy="216000"/>
+          </a:xfrm>
+          <a:prstGeom prst="rect">
+            <a:avLst/>
+          </a:prstGeom>
+          <a:solidFill>
+            <a:srgbClr val="FF0000">
+              <a:alpha val="69804"/>
+            </a:srgbClr>
+          </a:solidFill>
+          <a:ln>
+            <a:solidFill>
+              <a:schemeClr val="bg1"/>
+            </a:solidFill>
+          </a:ln>
+        </p:spPr>
+        <p:style>
+          <a:lnRef idx="2">
+            <a:schemeClr val="accent1">
+              <a:shade val="50000"/>
+            </a:schemeClr>
+          </a:lnRef>
+          <a:fillRef idx="1">
+            <a:schemeClr val="accent1"/>
+          </a:fillRef>
+          <a:effectRef idx="0">
+            <a:schemeClr val="accent1"/>
+          </a:effectRef>
+          <a:fontRef idx="minor">
+            <a:schemeClr val="lt1"/>
+          </a:fontRef>
+        </p:style>
+        <p:txBody>
+          <a:bodyPr wrap="none" lIns="54000" rIns="108000" rtlCol="0" anchor="ctr"/>
+          <a:lstStyle/>
+          <a:p>
+            <a:r>
+              <a:rPr lang="de-DE" sz="1200" dirty="0">
+                <a:latin typeface="Verdana" panose="020B0604030504040204" pitchFamily="34" charset="0"/>
+                <a:ea typeface="Verdana" panose="020B0604030504040204" pitchFamily="34" charset="0"/>
+                <a:cs typeface="Verdana" panose="020B0604030504040204" pitchFamily="34" charset="0"/>
+              </a:rPr>
+              <a:t>SQL</a:t>
+            </a:r>
+          </a:p>
+        </p:txBody>
+      </p:sp>
+      <p:cxnSp>
+        <p:nvCxnSpPr>
+          <p:cNvPr id="30" name="Straight Arrow Connector 29"/>
+          <p:cNvCxnSpPr/>
+          <p:nvPr/>
+        </p:nvCxnSpPr>
+        <p:spPr>
+          <a:xfrm>
+            <a:off x="2339157" y="2132904"/>
+            <a:ext cx="0" cy="432000"/>
+          </a:xfrm>
+          <a:prstGeom prst="straightConnector1">
+            <a:avLst/>
+          </a:prstGeom>
+          <a:ln w="12700">
+            <a:solidFill>
+              <a:schemeClr val="tx1"/>
+            </a:solidFill>
+            <a:headEnd type="none" w="med" len="med"/>
+            <a:tailEnd type="arrow" w="med" len="med"/>
+          </a:ln>
+        </p:spPr>
+        <p:style>
+          <a:lnRef idx="1">
+            <a:schemeClr val="accent1"/>
+          </a:lnRef>
+          <a:fillRef idx="0">
+            <a:schemeClr val="accent1"/>
+          </a:fillRef>
+          <a:effectRef idx="0">
+            <a:schemeClr val="accent1"/>
+          </a:effectRef>
+          <a:fontRef idx="minor">
+            <a:schemeClr val="tx1"/>
+          </a:fontRef>
+        </p:style>
+      </p:cxnSp>
+      <p:cxnSp>
+        <p:nvCxnSpPr>
+          <p:cNvPr id="31" name="Straight Arrow Connector 30"/>
+          <p:cNvCxnSpPr/>
+          <p:nvPr/>
+        </p:nvCxnSpPr>
+        <p:spPr>
+          <a:xfrm flipV="1">
+            <a:off x="3059162" y="2132904"/>
+            <a:ext cx="0" cy="432000"/>
+          </a:xfrm>
+          <a:prstGeom prst="straightConnector1">
+            <a:avLst/>
+          </a:prstGeom>
+          <a:ln w="12700">
+            <a:solidFill>
+              <a:schemeClr val="tx1"/>
+            </a:solidFill>
+            <a:headEnd type="none" w="med" len="med"/>
+            <a:tailEnd type="arrow" w="med" len="med"/>
+          </a:ln>
+        </p:spPr>
+        <p:style>
+          <a:lnRef idx="1">
+            <a:schemeClr val="accent1"/>
+          </a:lnRef>
+          <a:fillRef idx="0">
+            <a:schemeClr val="accent1"/>
+          </a:fillRef>
+          <a:effectRef idx="0">
+            <a:schemeClr val="accent1"/>
+          </a:effectRef>
+          <a:fontRef idx="minor">
+            <a:schemeClr val="tx1"/>
+          </a:fontRef>
+        </p:style>
+      </p:cxnSp>
     </p:spTree>
     <p:extLst>
       <p:ext uri="{BB962C8B-B14F-4D97-AF65-F5344CB8AC3E}">
